--- a/figs/Fig_Results_Hydrocarbons.pptx
+++ b/figs/Fig_Results_Hydrocarbons.pptx
@@ -243,7 +243,7 @@
           <a:p>
             <a:fld id="{FA3B797D-E365-FB48-9DA2-46ADD022A298}" type="datetimeFigureOut">
               <a:rPr lang="de-DE" smtClean="0"/>
-              <a:t>04.11.18</a:t>
+              <a:t>06.11.18</a:t>
             </a:fld>
             <a:endParaRPr lang="de-DE"/>
           </a:p>
@@ -413,7 +413,7 @@
           <a:p>
             <a:fld id="{FA3B797D-E365-FB48-9DA2-46ADD022A298}" type="datetimeFigureOut">
               <a:rPr lang="de-DE" smtClean="0"/>
-              <a:t>04.11.18</a:t>
+              <a:t>06.11.18</a:t>
             </a:fld>
             <a:endParaRPr lang="de-DE"/>
           </a:p>
@@ -593,7 +593,7 @@
           <a:p>
             <a:fld id="{FA3B797D-E365-FB48-9DA2-46ADD022A298}" type="datetimeFigureOut">
               <a:rPr lang="de-DE" smtClean="0"/>
-              <a:t>04.11.18</a:t>
+              <a:t>06.11.18</a:t>
             </a:fld>
             <a:endParaRPr lang="de-DE"/>
           </a:p>
@@ -763,7 +763,7 @@
           <a:p>
             <a:fld id="{FA3B797D-E365-FB48-9DA2-46ADD022A298}" type="datetimeFigureOut">
               <a:rPr lang="de-DE" smtClean="0"/>
-              <a:t>04.11.18</a:t>
+              <a:t>06.11.18</a:t>
             </a:fld>
             <a:endParaRPr lang="de-DE"/>
           </a:p>
@@ -1007,7 +1007,7 @@
           <a:p>
             <a:fld id="{FA3B797D-E365-FB48-9DA2-46ADD022A298}" type="datetimeFigureOut">
               <a:rPr lang="de-DE" smtClean="0"/>
-              <a:t>04.11.18</a:t>
+              <a:t>06.11.18</a:t>
             </a:fld>
             <a:endParaRPr lang="de-DE"/>
           </a:p>
@@ -1239,7 +1239,7 @@
           <a:p>
             <a:fld id="{FA3B797D-E365-FB48-9DA2-46ADD022A298}" type="datetimeFigureOut">
               <a:rPr lang="de-DE" smtClean="0"/>
-              <a:t>04.11.18</a:t>
+              <a:t>06.11.18</a:t>
             </a:fld>
             <a:endParaRPr lang="de-DE"/>
           </a:p>
@@ -1606,7 +1606,7 @@
           <a:p>
             <a:fld id="{FA3B797D-E365-FB48-9DA2-46ADD022A298}" type="datetimeFigureOut">
               <a:rPr lang="de-DE" smtClean="0"/>
-              <a:t>04.11.18</a:t>
+              <a:t>06.11.18</a:t>
             </a:fld>
             <a:endParaRPr lang="de-DE"/>
           </a:p>
@@ -1724,7 +1724,7 @@
           <a:p>
             <a:fld id="{FA3B797D-E365-FB48-9DA2-46ADD022A298}" type="datetimeFigureOut">
               <a:rPr lang="de-DE" smtClean="0"/>
-              <a:t>04.11.18</a:t>
+              <a:t>06.11.18</a:t>
             </a:fld>
             <a:endParaRPr lang="de-DE"/>
           </a:p>
@@ -1819,7 +1819,7 @@
           <a:p>
             <a:fld id="{FA3B797D-E365-FB48-9DA2-46ADD022A298}" type="datetimeFigureOut">
               <a:rPr lang="de-DE" smtClean="0"/>
-              <a:t>04.11.18</a:t>
+              <a:t>06.11.18</a:t>
             </a:fld>
             <a:endParaRPr lang="de-DE"/>
           </a:p>
@@ -2096,7 +2096,7 @@
           <a:p>
             <a:fld id="{FA3B797D-E365-FB48-9DA2-46ADD022A298}" type="datetimeFigureOut">
               <a:rPr lang="de-DE" smtClean="0"/>
-              <a:t>04.11.18</a:t>
+              <a:t>06.11.18</a:t>
             </a:fld>
             <a:endParaRPr lang="de-DE"/>
           </a:p>
@@ -2353,7 +2353,7 @@
           <a:p>
             <a:fld id="{FA3B797D-E365-FB48-9DA2-46ADD022A298}" type="datetimeFigureOut">
               <a:rPr lang="de-DE" smtClean="0"/>
-              <a:t>04.11.18</a:t>
+              <a:t>06.11.18</a:t>
             </a:fld>
             <a:endParaRPr lang="de-DE"/>
           </a:p>
@@ -2566,7 +2566,7 @@
           <a:p>
             <a:fld id="{FA3B797D-E365-FB48-9DA2-46ADD022A298}" type="datetimeFigureOut">
               <a:rPr lang="de-DE" smtClean="0"/>
-              <a:t>04.11.18</a:t>
+              <a:t>06.11.18</a:t>
             </a:fld>
             <a:endParaRPr lang="de-DE"/>
           </a:p>
@@ -3200,7 +3200,7 @@
         </p:nvSpPr>
         <p:spPr>
           <a:xfrm>
-            <a:off x="202641" y="2198731"/>
+            <a:off x="-62399" y="2198731"/>
             <a:ext cx="349776" cy="461665"/>
           </a:xfrm>
           <a:prstGeom prst="rect">
@@ -3236,7 +3236,7 @@
         </p:nvSpPr>
         <p:spPr>
           <a:xfrm>
-            <a:off x="3106933" y="2198731"/>
+            <a:off x="2894901" y="2198731"/>
             <a:ext cx="282450" cy="461665"/>
           </a:xfrm>
           <a:prstGeom prst="rect">
@@ -3271,7 +3271,7 @@
         </p:nvSpPr>
         <p:spPr>
           <a:xfrm>
-            <a:off x="6195054" y="2198731"/>
+            <a:off x="5996274" y="2198731"/>
             <a:ext cx="330540" cy="461665"/>
           </a:xfrm>
           <a:prstGeom prst="rect">
@@ -3307,7 +3307,7 @@
         </p:nvSpPr>
         <p:spPr>
           <a:xfrm>
-            <a:off x="202641" y="4262390"/>
+            <a:off x="-62399" y="4262390"/>
             <a:ext cx="349776" cy="461665"/>
           </a:xfrm>
           <a:prstGeom prst="rect">
@@ -3517,7 +3517,7 @@
         </p:nvSpPr>
         <p:spPr>
           <a:xfrm>
-            <a:off x="202641" y="6801106"/>
+            <a:off x="-49147" y="6522810"/>
             <a:ext cx="332142" cy="461665"/>
           </a:xfrm>
           <a:prstGeom prst="rect">
@@ -3553,7 +3553,7 @@
         </p:nvSpPr>
         <p:spPr>
           <a:xfrm>
-            <a:off x="4700641" y="6794112"/>
+            <a:off x="4700641" y="6515816"/>
             <a:ext cx="260008" cy="461665"/>
           </a:xfrm>
           <a:prstGeom prst="rect">
@@ -3574,12 +3574,83 @@
           </a:p>
         </p:txBody>
       </p:sp>
+      <p:sp>
+        <p:nvSpPr>
+          <p:cNvPr id="124" name="TextBox 123">
+            <a:extLst>
+              <a:ext uri="{FF2B5EF4-FFF2-40B4-BE49-F238E27FC236}">
+                <a16:creationId xmlns:a16="http://schemas.microsoft.com/office/drawing/2014/main" id="{22EFEA90-34E6-4749-A585-66262776F68D}"/>
+              </a:ext>
+            </a:extLst>
+          </p:cNvPr>
+          <p:cNvSpPr txBox="1"/>
+          <p:nvPr/>
+        </p:nvSpPr>
+        <p:spPr>
+          <a:xfrm>
+            <a:off x="2917343" y="4262390"/>
+            <a:ext cx="260008" cy="461665"/>
+          </a:xfrm>
+          <a:prstGeom prst="rect">
+            <a:avLst/>
+          </a:prstGeom>
+          <a:noFill/>
+        </p:spPr>
+        <p:txBody>
+          <a:bodyPr wrap="none" rtlCol="0">
+            <a:spAutoFit/>
+          </a:bodyPr>
+          <a:lstStyle/>
+          <a:p>
+            <a:r>
+              <a:rPr lang="de-DE" sz="2400" b="1" dirty="0"/>
+              <a:t>i</a:t>
+            </a:r>
+          </a:p>
+        </p:txBody>
+      </p:sp>
+      <p:sp>
+        <p:nvSpPr>
+          <p:cNvPr id="125" name="TextBox 124">
+            <a:extLst>
+              <a:ext uri="{FF2B5EF4-FFF2-40B4-BE49-F238E27FC236}">
+                <a16:creationId xmlns:a16="http://schemas.microsoft.com/office/drawing/2014/main" id="{0DC05988-71A7-594B-8F57-91FC7E13137A}"/>
+              </a:ext>
+            </a:extLst>
+          </p:cNvPr>
+          <p:cNvSpPr txBox="1"/>
+          <p:nvPr/>
+        </p:nvSpPr>
+        <p:spPr>
+          <a:xfrm>
+            <a:off x="6034830" y="4282507"/>
+            <a:ext cx="263214" cy="461665"/>
+          </a:xfrm>
+          <a:prstGeom prst="rect">
+            <a:avLst/>
+          </a:prstGeom>
+          <a:noFill/>
+        </p:spPr>
+        <p:txBody>
+          <a:bodyPr wrap="none" rtlCol="0">
+            <a:spAutoFit/>
+          </a:bodyPr>
+          <a:lstStyle/>
+          <a:p>
+            <a:r>
+              <a:rPr lang="de-DE" sz="2400" b="1" dirty="0" err="1"/>
+              <a:t>j</a:t>
+            </a:r>
+            <a:endParaRPr lang="de-DE" sz="2400" b="1" dirty="0"/>
+          </a:p>
+        </p:txBody>
+      </p:sp>
       <p:pic>
         <p:nvPicPr>
-          <p:cNvPr id="78" name="Picture 77">
+          <p:cNvPr id="5" name="Picture 4">
             <a:extLst>
               <a:ext uri="{FF2B5EF4-FFF2-40B4-BE49-F238E27FC236}">
-                <a16:creationId xmlns:a16="http://schemas.microsoft.com/office/drawing/2014/main" id="{CE7531BD-43F3-4946-8856-C08F1E797987}"/>
+                <a16:creationId xmlns:a16="http://schemas.microsoft.com/office/drawing/2014/main" id="{250E5E35-78CF-164D-83C9-D721006A5819}"/>
               </a:ext>
             </a:extLst>
           </p:cNvPr>
@@ -3589,7 +3660,7 @@
           <p:nvPr/>
         </p:nvPicPr>
         <p:blipFill>
-          <a:blip>
+          <a:blip r:embed="rId6">
             <a:clrChange>
               <a:clrFrom>
                 <a:srgbClr val="FFFFFF"/>
@@ -3611,9 +3682,9 @@
           </a:stretch>
         </p:blipFill>
         <p:spPr>
-          <a:xfrm rot="5400000">
-            <a:off x="-1046662" y="6810961"/>
-            <a:ext cx="4756150" cy="4103841"/>
+          <a:xfrm>
+            <a:off x="2890199" y="2080459"/>
+            <a:ext cx="2888150" cy="2257126"/>
           </a:xfrm>
           <a:prstGeom prst="rect">
             <a:avLst/>
@@ -3622,10 +3693,10 @@
       </p:pic>
       <p:pic>
         <p:nvPicPr>
-          <p:cNvPr id="79" name="Picture 78">
+          <p:cNvPr id="7" name="Picture 6">
             <a:extLst>
               <a:ext uri="{FF2B5EF4-FFF2-40B4-BE49-F238E27FC236}">
-                <a16:creationId xmlns:a16="http://schemas.microsoft.com/office/drawing/2014/main" id="{42F16BC1-2FFA-6B44-B2E6-132F965456A3}"/>
+                <a16:creationId xmlns:a16="http://schemas.microsoft.com/office/drawing/2014/main" id="{2831D08E-D951-BD4F-89A1-004F5AA9698A}"/>
               </a:ext>
             </a:extLst>
           </p:cNvPr>
@@ -3635,7 +3706,7 @@
           <p:nvPr/>
         </p:nvPicPr>
         <p:blipFill>
-          <a:blip>
+          <a:blip r:embed="rId7">
             <a:clrChange>
               <a:clrFrom>
                 <a:srgbClr val="FFFFFF"/>
@@ -3657,9 +3728,9 @@
           </a:stretch>
         </p:blipFill>
         <p:spPr>
-          <a:xfrm rot="5400000">
-            <a:off x="3465833" y="6876364"/>
-            <a:ext cx="4623633" cy="3989499"/>
+          <a:xfrm>
+            <a:off x="158455" y="2212666"/>
+            <a:ext cx="2549814" cy="1992712"/>
           </a:xfrm>
           <a:prstGeom prst="rect">
             <a:avLst/>
@@ -3668,10 +3739,10 @@
       </p:pic>
       <p:pic>
         <p:nvPicPr>
-          <p:cNvPr id="116" name="Picture 115">
+          <p:cNvPr id="9" name="Picture 8">
             <a:extLst>
               <a:ext uri="{FF2B5EF4-FFF2-40B4-BE49-F238E27FC236}">
-                <a16:creationId xmlns:a16="http://schemas.microsoft.com/office/drawing/2014/main" id="{A47E1AFD-4A31-E14D-8AAE-0D7566E1DC8F}"/>
+                <a16:creationId xmlns:a16="http://schemas.microsoft.com/office/drawing/2014/main" id="{2B059F9C-7B04-3842-A8F6-EF7982AC7E89}"/>
               </a:ext>
             </a:extLst>
           </p:cNvPr>
@@ -3681,7 +3752,7 @@
           <p:nvPr/>
         </p:nvPicPr>
         <p:blipFill>
-          <a:blip>
+          <a:blip r:embed="rId8">
             <a:clrChange>
               <a:clrFrom>
                 <a:srgbClr val="FFFFFF"/>
@@ -3703,9 +3774,9 @@
           </a:stretch>
         </p:blipFill>
         <p:spPr>
-          <a:xfrm rot="5400000">
-            <a:off x="2254637" y="6877263"/>
-            <a:ext cx="2310589" cy="1993691"/>
+          <a:xfrm>
+            <a:off x="5976393" y="2080459"/>
+            <a:ext cx="2888150" cy="2257126"/>
           </a:xfrm>
           <a:prstGeom prst="rect">
             <a:avLst/>
@@ -3714,10 +3785,10 @@
       </p:pic>
       <p:pic>
         <p:nvPicPr>
-          <p:cNvPr id="117" name="Picture 116">
+          <p:cNvPr id="15" name="Picture 14">
             <a:extLst>
               <a:ext uri="{FF2B5EF4-FFF2-40B4-BE49-F238E27FC236}">
-                <a16:creationId xmlns:a16="http://schemas.microsoft.com/office/drawing/2014/main" id="{6142C6E5-9B39-8149-AC5F-39AD8075D1E8}"/>
+                <a16:creationId xmlns:a16="http://schemas.microsoft.com/office/drawing/2014/main" id="{844D55D6-B8F8-7647-BA64-3C2EDAB56703}"/>
               </a:ext>
             </a:extLst>
           </p:cNvPr>
@@ -3727,7 +3798,7 @@
           <p:nvPr/>
         </p:nvPicPr>
         <p:blipFill>
-          <a:blip>
+          <a:blip r:embed="rId9">
             <a:clrChange>
               <a:clrFrom>
                 <a:srgbClr val="FFFFFF"/>
@@ -3749,9 +3820,9 @@
           </a:stretch>
         </p:blipFill>
         <p:spPr>
-          <a:xfrm rot="5400000">
-            <a:off x="6886839" y="6862515"/>
-            <a:ext cx="2310589" cy="1993691"/>
+          <a:xfrm>
+            <a:off x="2894092" y="4113410"/>
+            <a:ext cx="2818896" cy="2203003"/>
           </a:xfrm>
           <a:prstGeom prst="rect">
             <a:avLst/>
@@ -3760,10 +3831,10 @@
       </p:pic>
       <p:pic>
         <p:nvPicPr>
-          <p:cNvPr id="118" name="Picture 117">
+          <p:cNvPr id="17" name="Picture 16">
             <a:extLst>
               <a:ext uri="{FF2B5EF4-FFF2-40B4-BE49-F238E27FC236}">
-                <a16:creationId xmlns:a16="http://schemas.microsoft.com/office/drawing/2014/main" id="{B730EF79-C3E3-4A42-9A2A-1A03F5336E78}"/>
+                <a16:creationId xmlns:a16="http://schemas.microsoft.com/office/drawing/2014/main" id="{D5A59F14-36F8-0243-B8A1-2FA84F00C901}"/>
               </a:ext>
             </a:extLst>
           </p:cNvPr>
@@ -3773,7 +3844,7 @@
           <p:nvPr/>
         </p:nvPicPr>
         <p:blipFill>
-          <a:blip>
+          <a:blip r:embed="rId10">
             <a:clrChange>
               <a:clrFrom>
                 <a:srgbClr val="FFFFFF"/>
@@ -3796,8 +3867,8 @@
         </p:blipFill>
         <p:spPr>
           <a:xfrm>
-            <a:off x="-87084" y="2205512"/>
-            <a:ext cx="3120357" cy="2438598"/>
+            <a:off x="5946275" y="4112831"/>
+            <a:ext cx="2904203" cy="2269671"/>
           </a:xfrm>
           <a:prstGeom prst="rect">
             <a:avLst/>
@@ -3806,10 +3877,10 @@
       </p:pic>
       <p:pic>
         <p:nvPicPr>
-          <p:cNvPr id="119" name="Picture 118">
+          <p:cNvPr id="19" name="Picture 18">
             <a:extLst>
               <a:ext uri="{FF2B5EF4-FFF2-40B4-BE49-F238E27FC236}">
-                <a16:creationId xmlns:a16="http://schemas.microsoft.com/office/drawing/2014/main" id="{53D5BE42-1280-A049-ABBB-0BB69885130D}"/>
+                <a16:creationId xmlns:a16="http://schemas.microsoft.com/office/drawing/2014/main" id="{E917B794-4E5C-244E-939C-0DB07D7C15E5}"/>
               </a:ext>
             </a:extLst>
           </p:cNvPr>
@@ -3819,7 +3890,7 @@
           <p:nvPr/>
         </p:nvPicPr>
         <p:blipFill>
-          <a:blip>
+          <a:blip r:embed="rId11">
             <a:clrChange>
               <a:clrFrom>
                 <a:srgbClr val="FFFFFF"/>
@@ -3842,8 +3913,8 @@
         </p:blipFill>
         <p:spPr>
           <a:xfrm>
-            <a:off x="3033273" y="2216195"/>
-            <a:ext cx="3120357" cy="2438598"/>
+            <a:off x="-68345" y="4113410"/>
+            <a:ext cx="2903462" cy="2269092"/>
           </a:xfrm>
           <a:prstGeom prst="rect">
             <a:avLst/>
@@ -3852,10 +3923,10 @@
       </p:pic>
       <p:pic>
         <p:nvPicPr>
-          <p:cNvPr id="120" name="Picture 119">
+          <p:cNvPr id="23" name="Picture 22">
             <a:extLst>
               <a:ext uri="{FF2B5EF4-FFF2-40B4-BE49-F238E27FC236}">
-                <a16:creationId xmlns:a16="http://schemas.microsoft.com/office/drawing/2014/main" id="{A6D26721-74F9-2140-B26C-712944927310}"/>
+                <a16:creationId xmlns:a16="http://schemas.microsoft.com/office/drawing/2014/main" id="{7F1565A7-32FF-4544-A111-932E4D515303}"/>
               </a:ext>
             </a:extLst>
           </p:cNvPr>
@@ -3865,7 +3936,7 @@
           <p:nvPr/>
         </p:nvPicPr>
         <p:blipFill>
-          <a:blip>
+          <a:blip r:embed="rId12">
             <a:clrChange>
               <a:clrFrom>
                 <a:srgbClr val="FFFFFF"/>
@@ -3888,91 +3959,20 @@
         </p:blipFill>
         <p:spPr>
           <a:xfrm>
-            <a:off x="6106209" y="2206251"/>
-            <a:ext cx="2742823" cy="2143551"/>
+            <a:off x="293099" y="6331532"/>
+            <a:ext cx="3838407" cy="3022694"/>
           </a:xfrm>
           <a:prstGeom prst="rect">
             <a:avLst/>
           </a:prstGeom>
         </p:spPr>
       </p:pic>
-      <p:sp>
-        <p:nvSpPr>
-          <p:cNvPr id="124" name="TextBox 123">
-            <a:extLst>
-              <a:ext uri="{FF2B5EF4-FFF2-40B4-BE49-F238E27FC236}">
-                <a16:creationId xmlns:a16="http://schemas.microsoft.com/office/drawing/2014/main" id="{22EFEA90-34E6-4749-A585-66262776F68D}"/>
-              </a:ext>
-            </a:extLst>
-          </p:cNvPr>
-          <p:cNvSpPr txBox="1"/>
-          <p:nvPr/>
-        </p:nvSpPr>
-        <p:spPr>
-          <a:xfrm>
-            <a:off x="3129375" y="4262390"/>
-            <a:ext cx="260008" cy="461665"/>
-          </a:xfrm>
-          <a:prstGeom prst="rect">
-            <a:avLst/>
-          </a:prstGeom>
-          <a:noFill/>
-        </p:spPr>
-        <p:txBody>
-          <a:bodyPr wrap="none" rtlCol="0">
-            <a:spAutoFit/>
-          </a:bodyPr>
-          <a:lstStyle/>
-          <a:p>
-            <a:r>
-              <a:rPr lang="de-DE" sz="2400" b="1" dirty="0"/>
-              <a:t>i</a:t>
-            </a:r>
-          </a:p>
-        </p:txBody>
-      </p:sp>
-      <p:sp>
-        <p:nvSpPr>
-          <p:cNvPr id="125" name="TextBox 124">
-            <a:extLst>
-              <a:ext uri="{FF2B5EF4-FFF2-40B4-BE49-F238E27FC236}">
-                <a16:creationId xmlns:a16="http://schemas.microsoft.com/office/drawing/2014/main" id="{0DC05988-71A7-594B-8F57-91FC7E13137A}"/>
-              </a:ext>
-            </a:extLst>
-          </p:cNvPr>
-          <p:cNvSpPr txBox="1"/>
-          <p:nvPr/>
-        </p:nvSpPr>
-        <p:spPr>
-          <a:xfrm>
-            <a:off x="6233610" y="4282507"/>
-            <a:ext cx="263214" cy="461665"/>
-          </a:xfrm>
-          <a:prstGeom prst="rect">
-            <a:avLst/>
-          </a:prstGeom>
-          <a:noFill/>
-        </p:spPr>
-        <p:txBody>
-          <a:bodyPr wrap="none" rtlCol="0">
-            <a:spAutoFit/>
-          </a:bodyPr>
-          <a:lstStyle/>
-          <a:p>
-            <a:r>
-              <a:rPr lang="de-DE" sz="2400" b="1" dirty="0" err="1"/>
-              <a:t>j</a:t>
-            </a:r>
-            <a:endParaRPr lang="de-DE" sz="2400" b="1" dirty="0"/>
-          </a:p>
-        </p:txBody>
-      </p:sp>
       <p:pic>
         <p:nvPicPr>
-          <p:cNvPr id="27" name="Picture 26">
+          <p:cNvPr id="25" name="Picture 24">
             <a:extLst>
               <a:ext uri="{FF2B5EF4-FFF2-40B4-BE49-F238E27FC236}">
-                <a16:creationId xmlns:a16="http://schemas.microsoft.com/office/drawing/2014/main" id="{35FACEE2-C742-7544-B7F2-1440F02E2D90}"/>
+                <a16:creationId xmlns:a16="http://schemas.microsoft.com/office/drawing/2014/main" id="{86006483-FAD8-1F47-A262-3823CDBC602C}"/>
               </a:ext>
             </a:extLst>
           </p:cNvPr>
@@ -3982,7 +3982,7 @@
           <p:nvPr/>
         </p:nvPicPr>
         <p:blipFill>
-          <a:blip>
+          <a:blip r:embed="rId13">
             <a:clrChange>
               <a:clrFrom>
                 <a:srgbClr val="FFFFFF"/>
@@ -4005,8 +4005,8 @@
         </p:blipFill>
         <p:spPr>
           <a:xfrm>
-            <a:off x="2611" y="4415600"/>
-            <a:ext cx="3164563" cy="2473146"/>
+            <a:off x="4919303" y="6225081"/>
+            <a:ext cx="3838407" cy="3022694"/>
           </a:xfrm>
           <a:prstGeom prst="rect">
             <a:avLst/>
@@ -4015,10 +4015,10 @@
       </p:pic>
       <p:pic>
         <p:nvPicPr>
-          <p:cNvPr id="29" name="Picture 28">
+          <p:cNvPr id="28" name="Picture 27">
             <a:extLst>
               <a:ext uri="{FF2B5EF4-FFF2-40B4-BE49-F238E27FC236}">
-                <a16:creationId xmlns:a16="http://schemas.microsoft.com/office/drawing/2014/main" id="{19DFF1A7-1899-644D-96A3-33ECA3B83DAA}"/>
+                <a16:creationId xmlns:a16="http://schemas.microsoft.com/office/drawing/2014/main" id="{2CE98AD7-7D1D-2D4B-BAC5-D6B3B903637C}"/>
               </a:ext>
             </a:extLst>
           </p:cNvPr>
@@ -4028,7 +4028,7 @@
           <p:nvPr/>
         </p:nvPicPr>
         <p:blipFill>
-          <a:blip>
+          <a:blip r:embed="rId14">
             <a:clrChange>
               <a:clrFrom>
                 <a:srgbClr val="FFFFFF"/>
@@ -4051,8 +4051,8 @@
         </p:blipFill>
         <p:spPr>
           <a:xfrm>
-            <a:off x="3029057" y="4337858"/>
-            <a:ext cx="3164563" cy="2473146"/>
+            <a:off x="4764890" y="9013045"/>
+            <a:ext cx="2161870" cy="1702444"/>
           </a:xfrm>
           <a:prstGeom prst="rect">
             <a:avLst/>
@@ -4061,10 +4061,10 @@
       </p:pic>
       <p:pic>
         <p:nvPicPr>
-          <p:cNvPr id="31" name="Picture 30">
+          <p:cNvPr id="32" name="Picture 31">
             <a:extLst>
               <a:ext uri="{FF2B5EF4-FFF2-40B4-BE49-F238E27FC236}">
-                <a16:creationId xmlns:a16="http://schemas.microsoft.com/office/drawing/2014/main" id="{2E082403-77F4-174E-BEBE-D2541D93FED2}"/>
+                <a16:creationId xmlns:a16="http://schemas.microsoft.com/office/drawing/2014/main" id="{2601BD0F-0B68-5942-9C64-A078F2242D85}"/>
               </a:ext>
             </a:extLst>
           </p:cNvPr>
@@ -4074,7 +4074,7 @@
           <p:nvPr/>
         </p:nvPicPr>
         <p:blipFill>
-          <a:blip>
+          <a:blip r:embed="rId15">
             <a:clrChange>
               <a:clrFrom>
                 <a:srgbClr val="FFFFFF"/>
@@ -4097,8 +4097,100 @@
         </p:blipFill>
         <p:spPr>
           <a:xfrm>
-            <a:off x="6024377" y="4290361"/>
-            <a:ext cx="3164563" cy="2473146"/>
+            <a:off x="6884634" y="9013046"/>
+            <a:ext cx="2246011" cy="1768704"/>
+          </a:xfrm>
+          <a:prstGeom prst="rect">
+            <a:avLst/>
+          </a:prstGeom>
+        </p:spPr>
+      </p:pic>
+      <p:pic>
+        <p:nvPicPr>
+          <p:cNvPr id="34" name="Picture 33">
+            <a:extLst>
+              <a:ext uri="{FF2B5EF4-FFF2-40B4-BE49-F238E27FC236}">
+                <a16:creationId xmlns:a16="http://schemas.microsoft.com/office/drawing/2014/main" id="{4BF0F30D-E67C-6043-A6E8-AE3BF3181C35}"/>
+              </a:ext>
+            </a:extLst>
+          </p:cNvPr>
+          <p:cNvPicPr>
+            <a:picLocks noChangeAspect="1"/>
+          </p:cNvPicPr>
+          <p:nvPr/>
+        </p:nvPicPr>
+        <p:blipFill>
+          <a:blip r:embed="rId16">
+            <a:clrChange>
+              <a:clrFrom>
+                <a:srgbClr val="FFFFFF"/>
+              </a:clrFrom>
+              <a:clrTo>
+                <a:srgbClr val="FFFFFF">
+                  <a:alpha val="0"/>
+                </a:srgbClr>
+              </a:clrTo>
+            </a:clrChange>
+            <a:extLst>
+              <a:ext uri="{28A0092B-C50C-407E-A947-70E740481C1C}">
+                <a14:useLocalDpi xmlns:a14="http://schemas.microsoft.com/office/drawing/2010/main" val="0"/>
+              </a:ext>
+            </a:extLst>
+          </a:blip>
+          <a:stretch>
+            <a:fillRect/>
+          </a:stretch>
+        </p:blipFill>
+        <p:spPr>
+          <a:xfrm>
+            <a:off x="-68577" y="9052493"/>
+            <a:ext cx="2091152" cy="1646754"/>
+          </a:xfrm>
+          <a:prstGeom prst="rect">
+            <a:avLst/>
+          </a:prstGeom>
+        </p:spPr>
+      </p:pic>
+      <p:pic>
+        <p:nvPicPr>
+          <p:cNvPr id="36" name="Picture 35">
+            <a:extLst>
+              <a:ext uri="{FF2B5EF4-FFF2-40B4-BE49-F238E27FC236}">
+                <a16:creationId xmlns:a16="http://schemas.microsoft.com/office/drawing/2014/main" id="{96DD7071-B712-7341-990D-BBF373096DA0}"/>
+              </a:ext>
+            </a:extLst>
+          </p:cNvPr>
+          <p:cNvPicPr>
+            <a:picLocks noChangeAspect="1"/>
+          </p:cNvPicPr>
+          <p:nvPr/>
+        </p:nvPicPr>
+        <p:blipFill>
+          <a:blip r:embed="rId17">
+            <a:clrChange>
+              <a:clrFrom>
+                <a:srgbClr val="FFFFFF"/>
+              </a:clrFrom>
+              <a:clrTo>
+                <a:srgbClr val="FFFFFF">
+                  <a:alpha val="0"/>
+                </a:srgbClr>
+              </a:clrTo>
+            </a:clrChange>
+            <a:extLst>
+              <a:ext uri="{28A0092B-C50C-407E-A947-70E740481C1C}">
+                <a14:useLocalDpi xmlns:a14="http://schemas.microsoft.com/office/drawing/2010/main" val="0"/>
+              </a:ext>
+            </a:extLst>
+          </a:blip>
+          <a:stretch>
+            <a:fillRect/>
+          </a:stretch>
+        </p:blipFill>
+        <p:spPr>
+          <a:xfrm>
+            <a:off x="1938026" y="9001523"/>
+            <a:ext cx="2270683" cy="1788132"/>
           </a:xfrm>
           <a:prstGeom prst="rect">
             <a:avLst/>
